--- a/Linguistics and Geography Final Presentation.pptx
+++ b/Linguistics and Geography Final Presentation.pptx
@@ -5,7 +5,7 @@
     <p:sldMasterId id="2147483648" r:id="rId1"/>
   </p:sldMasterIdLst>
   <p:notesMasterIdLst>
-    <p:notesMasterId r:id="rId18"/>
+    <p:notesMasterId r:id="rId20"/>
   </p:notesMasterIdLst>
   <p:sldIdLst>
     <p:sldId id="256" r:id="rId2"/>
@@ -17,13 +17,15 @@
     <p:sldId id="261" r:id="rId8"/>
     <p:sldId id="262" r:id="rId9"/>
     <p:sldId id="263" r:id="rId10"/>
-    <p:sldId id="272" r:id="rId11"/>
+    <p:sldId id="277" r:id="rId11"/>
     <p:sldId id="273" r:id="rId12"/>
-    <p:sldId id="274" r:id="rId13"/>
-    <p:sldId id="267" r:id="rId14"/>
-    <p:sldId id="268" r:id="rId15"/>
-    <p:sldId id="270" r:id="rId16"/>
-    <p:sldId id="266" r:id="rId17"/>
+    <p:sldId id="275" r:id="rId13"/>
+    <p:sldId id="276" r:id="rId14"/>
+    <p:sldId id="274" r:id="rId15"/>
+    <p:sldId id="267" r:id="rId16"/>
+    <p:sldId id="268" r:id="rId17"/>
+    <p:sldId id="270" r:id="rId18"/>
+    <p:sldId id="266" r:id="rId19"/>
   </p:sldIdLst>
   <p:sldSz cx="12192000" cy="6858000"/>
   <p:notesSz cx="6858000" cy="9144000"/>
@@ -212,7 +214,7 @@
           <a:p>
             <a:fld id="{63602CFF-033C-4265-AC09-EAD29BF1CFC0}" type="datetimeFigureOut">
               <a:rPr lang="en-US" smtClean="0"/>
-              <a:t>7/27/2021</a:t>
+              <a:t>27-Jul-21</a:t>
             </a:fld>
             <a:endParaRPr lang="en-US"/>
           </a:p>
@@ -672,7 +674,7 @@
     </p:spTree>
     <p:extLst>
       <p:ext uri="{BB962C8B-B14F-4D97-AF65-F5344CB8AC3E}">
-        <p14:creationId xmlns:p14="http://schemas.microsoft.com/office/powerpoint/2010/main" val="2193901678"/>
+        <p14:creationId xmlns:p14="http://schemas.microsoft.com/office/powerpoint/2010/main" val="2729719320"/>
       </p:ext>
     </p:extLst>
   </p:cSld>
@@ -841,25 +843,13 @@
           <a:p>
             <a:r>
               <a:rPr lang="en-US" dirty="0"/>
-              <a:t>Talk about the chart:</a:t>
-            </a:r>
-          </a:p>
-          <a:p>
-            <a:r>
-              <a:rPr lang="en-US" dirty="0"/>
-              <a:t>	X axis</a:t>
-            </a:r>
-          </a:p>
-          <a:p>
-            <a:r>
-              <a:rPr lang="en-US" dirty="0"/>
-              <a:t>	Y axis</a:t>
-            </a:r>
-          </a:p>
-          <a:p>
-            <a:r>
-              <a:rPr lang="en-US" dirty="0"/>
-              <a:t>	Findings</a:t>
+              <a:t>Common syllable (“p” sound) occurrence in continents</a:t>
+            </a:r>
+          </a:p>
+          <a:p>
+            <a:r>
+              <a:rPr lang="en-US" dirty="0"/>
+              <a:t>Present in lots of languages, though less so in Africa</a:t>
             </a:r>
           </a:p>
         </p:txBody>
@@ -890,7 +880,7 @@
     </p:spTree>
     <p:extLst>
       <p:ext uri="{BB962C8B-B14F-4D97-AF65-F5344CB8AC3E}">
-        <p14:creationId xmlns:p14="http://schemas.microsoft.com/office/powerpoint/2010/main" val="3461074950"/>
+        <p14:creationId xmlns:p14="http://schemas.microsoft.com/office/powerpoint/2010/main" val="3456673183"/>
       </p:ext>
     </p:extLst>
   </p:cSld>
@@ -945,9 +935,31 @@
           <a:lstStyle/>
           <a:p>
             <a:r>
-              <a:rPr lang="en-US" dirty="0"/>
-              <a:t>Rohit</a:t>
-            </a:r>
+              <a:rPr lang="en-US" dirty="0" err="1"/>
+              <a:t>Koffi</a:t>
+            </a:r>
+            <a:endParaRPr lang="en-US" dirty="0"/>
+          </a:p>
+          <a:p>
+            <a:endParaRPr lang="en-US" dirty="0"/>
+          </a:p>
+          <a:p>
+            <a:r>
+              <a:rPr lang="en-US" dirty="0"/>
+              <a:t>Very uncommon syllable (“tongue click” sound) occurrence in continents</a:t>
+            </a:r>
+          </a:p>
+          <a:p>
+            <a:r>
+              <a:rPr lang="en-US" dirty="0"/>
+              <a:t>Only present in very small number of languages in Africa, not anywhere else</a:t>
+            </a:r>
+          </a:p>
+          <a:p>
+            <a:endParaRPr lang="en-US" dirty="0"/>
+          </a:p>
+          <a:p>
+            <a:endParaRPr lang="en-US" dirty="0"/>
           </a:p>
         </p:txBody>
       </p:sp>
@@ -977,7 +989,7 @@
     </p:spTree>
     <p:extLst>
       <p:ext uri="{BB962C8B-B14F-4D97-AF65-F5344CB8AC3E}">
-        <p14:creationId xmlns:p14="http://schemas.microsoft.com/office/powerpoint/2010/main" val="3872104790"/>
+        <p14:creationId xmlns:p14="http://schemas.microsoft.com/office/powerpoint/2010/main" val="2597196274"/>
       </p:ext>
     </p:extLst>
   </p:cSld>
@@ -1032,39 +1044,46 @@
           <a:lstStyle/>
           <a:p>
             <a:r>
-              <a:rPr lang="en-US" dirty="0"/>
-              <a:t>Chance</a:t>
-            </a:r>
-          </a:p>
-          <a:p>
-            <a:endParaRPr lang="en-US" dirty="0"/>
-          </a:p>
-          <a:p>
-            <a:r>
-              <a:rPr lang="en-US" dirty="0"/>
-              <a:t>Add proper syllable names to our data (e.g. “p” is associated with “voiceless bilabial plosive”)</a:t>
-            </a:r>
-          </a:p>
-          <a:p>
-            <a:r>
-              <a:rPr lang="en-US" dirty="0"/>
-              <a:t>Find, clean and process data for ALL countries (Korean Peninsula, Saudi Arabia, others were not included in our existing data)</a:t>
-            </a:r>
-          </a:p>
-          <a:p>
-            <a:r>
-              <a:rPr lang="en-US" dirty="0"/>
-              <a:t>Include/link to sound sample of the syllable within our data</a:t>
-            </a:r>
-          </a:p>
-          <a:p>
-            <a:r>
-              <a:rPr lang="en-US" dirty="0"/>
-              <a:t>Denote tonal languages, and what tones are possible</a:t>
-            </a:r>
-          </a:p>
-          <a:p>
-            <a:endParaRPr lang="en-US" dirty="0"/>
+              <a:rPr lang="en-US" dirty="0" err="1"/>
+              <a:t>Koffi</a:t>
+            </a:r>
+            <a:endParaRPr lang="en-US" dirty="0"/>
+          </a:p>
+          <a:p>
+            <a:endParaRPr lang="en-US" dirty="0"/>
+          </a:p>
+          <a:p>
+            <a:r>
+              <a:rPr lang="en-US" dirty="0"/>
+              <a:t>Talk about the chart:</a:t>
+            </a:r>
+          </a:p>
+          <a:p>
+            <a:r>
+              <a:rPr lang="en-US" dirty="0"/>
+              <a:t>	X axis</a:t>
+            </a:r>
+          </a:p>
+          <a:p>
+            <a:r>
+              <a:rPr lang="en-US" dirty="0"/>
+              <a:t>	Y axis</a:t>
+            </a:r>
+          </a:p>
+          <a:p>
+            <a:r>
+              <a:rPr lang="en-US" dirty="0"/>
+              <a:t>	Findings</a:t>
+            </a:r>
+          </a:p>
+          <a:p>
+            <a:endParaRPr lang="en-US" dirty="0"/>
+          </a:p>
+          <a:p>
+            <a:r>
+              <a:rPr lang="en-US" dirty="0"/>
+              <a:t>(Note: we couldn’t get a bar graph to work with this data, so we had to settle for a scatter plot)</a:t>
+            </a:r>
           </a:p>
         </p:txBody>
       </p:sp>
@@ -1094,7 +1113,7 @@
     </p:spTree>
     <p:extLst>
       <p:ext uri="{BB962C8B-B14F-4D97-AF65-F5344CB8AC3E}">
-        <p14:creationId xmlns:p14="http://schemas.microsoft.com/office/powerpoint/2010/main" val="3126642008"/>
+        <p14:creationId xmlns:p14="http://schemas.microsoft.com/office/powerpoint/2010/main" val="3461074950"/>
       </p:ext>
     </p:extLst>
   </p:cSld>
@@ -1150,7 +1169,16 @@
           <a:p>
             <a:r>
               <a:rPr lang="en-US" dirty="0"/>
-              <a:t>Chance</a:t>
+              <a:t>Rohit</a:t>
+            </a:r>
+          </a:p>
+          <a:p>
+            <a:endParaRPr lang="en-US" dirty="0"/>
+          </a:p>
+          <a:p>
+            <a:r>
+              <a:rPr lang="en-US" dirty="0"/>
+              <a:t>Show off shiny apps</a:t>
             </a:r>
           </a:p>
         </p:txBody>
@@ -1181,7 +1209,7 @@
     </p:spTree>
     <p:extLst>
       <p:ext uri="{BB962C8B-B14F-4D97-AF65-F5344CB8AC3E}">
-        <p14:creationId xmlns:p14="http://schemas.microsoft.com/office/powerpoint/2010/main" val="2601073297"/>
+        <p14:creationId xmlns:p14="http://schemas.microsoft.com/office/powerpoint/2010/main" val="3872104790"/>
       </p:ext>
     </p:extLst>
   </p:cSld>
@@ -1240,6 +1268,36 @@
               <a:t>Chance</a:t>
             </a:r>
           </a:p>
+          <a:p>
+            <a:endParaRPr lang="en-US" dirty="0"/>
+          </a:p>
+          <a:p>
+            <a:r>
+              <a:rPr lang="en-US" dirty="0"/>
+              <a:t>Add proper syllable names to our data (e.g. “p” is associated with “voiceless bilabial plosive”)</a:t>
+            </a:r>
+          </a:p>
+          <a:p>
+            <a:r>
+              <a:rPr lang="en-US" dirty="0"/>
+              <a:t>Find, clean and process data for ALL countries (Korean Peninsula, Saudi Arabia, others were not included in our existing data)</a:t>
+            </a:r>
+          </a:p>
+          <a:p>
+            <a:r>
+              <a:rPr lang="en-US" dirty="0"/>
+              <a:t>Include/link to sound sample of the syllable within our data</a:t>
+            </a:r>
+          </a:p>
+          <a:p>
+            <a:r>
+              <a:rPr lang="en-US" dirty="0"/>
+              <a:t>Denote tonal languages, and what tones are possible</a:t>
+            </a:r>
+          </a:p>
+          <a:p>
+            <a:endParaRPr lang="en-US" dirty="0"/>
+          </a:p>
         </p:txBody>
       </p:sp>
       <p:sp>
@@ -1260,6 +1318,180 @@
             <a:fld id="{BA1132A3-8D56-4B4C-8901-F78151994C78}" type="slidenum">
               <a:rPr lang="en-US" smtClean="0"/>
               <a:t>16</a:t>
+            </a:fld>
+            <a:endParaRPr lang="en-US"/>
+          </a:p>
+        </p:txBody>
+      </p:sp>
+    </p:spTree>
+    <p:extLst>
+      <p:ext uri="{BB962C8B-B14F-4D97-AF65-F5344CB8AC3E}">
+        <p14:creationId xmlns:p14="http://schemas.microsoft.com/office/powerpoint/2010/main" val="3126642008"/>
+      </p:ext>
+    </p:extLst>
+  </p:cSld>
+  <p:clrMapOvr>
+    <a:masterClrMapping/>
+  </p:clrMapOvr>
+</p:notes>
+</file>
+
+<file path=ppt/notesSlides/notesSlide17.xml><?xml version="1.0" encoding="utf-8"?>
+<p:notes xmlns:a="http://schemas.openxmlformats.org/drawingml/2006/main" xmlns:r="http://schemas.openxmlformats.org/officeDocument/2006/relationships" xmlns:p="http://schemas.openxmlformats.org/presentationml/2006/main">
+  <p:cSld>
+    <p:spTree>
+      <p:nvGrpSpPr>
+        <p:cNvPr id="1" name=""/>
+        <p:cNvGrpSpPr/>
+        <p:nvPr/>
+      </p:nvGrpSpPr>
+      <p:grpSpPr>
+        <a:xfrm>
+          <a:off x="0" y="0"/>
+          <a:ext cx="0" cy="0"/>
+          <a:chOff x="0" y="0"/>
+          <a:chExt cx="0" cy="0"/>
+        </a:xfrm>
+      </p:grpSpPr>
+      <p:sp>
+        <p:nvSpPr>
+          <p:cNvPr id="2" name="Slide Image Placeholder 1"/>
+          <p:cNvSpPr>
+            <a:spLocks noGrp="1" noRot="1" noChangeAspect="1"/>
+          </p:cNvSpPr>
+          <p:nvPr>
+            <p:ph type="sldImg"/>
+          </p:nvPr>
+        </p:nvSpPr>
+        <p:spPr/>
+      </p:sp>
+      <p:sp>
+        <p:nvSpPr>
+          <p:cNvPr id="3" name="Notes Placeholder 2"/>
+          <p:cNvSpPr>
+            <a:spLocks noGrp="1"/>
+          </p:cNvSpPr>
+          <p:nvPr>
+            <p:ph type="body" idx="1"/>
+          </p:nvPr>
+        </p:nvSpPr>
+        <p:spPr/>
+        <p:txBody>
+          <a:bodyPr/>
+          <a:lstStyle/>
+          <a:p>
+            <a:r>
+              <a:rPr lang="en-US" dirty="0"/>
+              <a:t>Chance</a:t>
+            </a:r>
+          </a:p>
+        </p:txBody>
+      </p:sp>
+      <p:sp>
+        <p:nvSpPr>
+          <p:cNvPr id="4" name="Slide Number Placeholder 3"/>
+          <p:cNvSpPr>
+            <a:spLocks noGrp="1"/>
+          </p:cNvSpPr>
+          <p:nvPr>
+            <p:ph type="sldNum" sz="quarter" idx="5"/>
+          </p:nvPr>
+        </p:nvSpPr>
+        <p:spPr/>
+        <p:txBody>
+          <a:bodyPr/>
+          <a:lstStyle/>
+          <a:p>
+            <a:fld id="{BA1132A3-8D56-4B4C-8901-F78151994C78}" type="slidenum">
+              <a:rPr lang="en-US" smtClean="0"/>
+              <a:t>17</a:t>
+            </a:fld>
+            <a:endParaRPr lang="en-US"/>
+          </a:p>
+        </p:txBody>
+      </p:sp>
+    </p:spTree>
+    <p:extLst>
+      <p:ext uri="{BB962C8B-B14F-4D97-AF65-F5344CB8AC3E}">
+        <p14:creationId xmlns:p14="http://schemas.microsoft.com/office/powerpoint/2010/main" val="2601073297"/>
+      </p:ext>
+    </p:extLst>
+  </p:cSld>
+  <p:clrMapOvr>
+    <a:masterClrMapping/>
+  </p:clrMapOvr>
+</p:notes>
+</file>
+
+<file path=ppt/notesSlides/notesSlide18.xml><?xml version="1.0" encoding="utf-8"?>
+<p:notes xmlns:a="http://schemas.openxmlformats.org/drawingml/2006/main" xmlns:r="http://schemas.openxmlformats.org/officeDocument/2006/relationships" xmlns:p="http://schemas.openxmlformats.org/presentationml/2006/main">
+  <p:cSld>
+    <p:spTree>
+      <p:nvGrpSpPr>
+        <p:cNvPr id="1" name=""/>
+        <p:cNvGrpSpPr/>
+        <p:nvPr/>
+      </p:nvGrpSpPr>
+      <p:grpSpPr>
+        <a:xfrm>
+          <a:off x="0" y="0"/>
+          <a:ext cx="0" cy="0"/>
+          <a:chOff x="0" y="0"/>
+          <a:chExt cx="0" cy="0"/>
+        </a:xfrm>
+      </p:grpSpPr>
+      <p:sp>
+        <p:nvSpPr>
+          <p:cNvPr id="2" name="Slide Image Placeholder 1"/>
+          <p:cNvSpPr>
+            <a:spLocks noGrp="1" noRot="1" noChangeAspect="1"/>
+          </p:cNvSpPr>
+          <p:nvPr>
+            <p:ph type="sldImg"/>
+          </p:nvPr>
+        </p:nvSpPr>
+        <p:spPr/>
+      </p:sp>
+      <p:sp>
+        <p:nvSpPr>
+          <p:cNvPr id="3" name="Notes Placeholder 2"/>
+          <p:cNvSpPr>
+            <a:spLocks noGrp="1"/>
+          </p:cNvSpPr>
+          <p:nvPr>
+            <p:ph type="body" idx="1"/>
+          </p:nvPr>
+        </p:nvSpPr>
+        <p:spPr/>
+        <p:txBody>
+          <a:bodyPr/>
+          <a:lstStyle/>
+          <a:p>
+            <a:r>
+              <a:rPr lang="en-US" dirty="0"/>
+              <a:t>Chance</a:t>
+            </a:r>
+          </a:p>
+        </p:txBody>
+      </p:sp>
+      <p:sp>
+        <p:nvSpPr>
+          <p:cNvPr id="4" name="Slide Number Placeholder 3"/>
+          <p:cNvSpPr>
+            <a:spLocks noGrp="1"/>
+          </p:cNvSpPr>
+          <p:nvPr>
+            <p:ph type="sldNum" sz="quarter" idx="5"/>
+          </p:nvPr>
+        </p:nvSpPr>
+        <p:spPr/>
+        <p:txBody>
+          <a:bodyPr/>
+          <a:lstStyle/>
+          <a:p>
+            <a:fld id="{BA1132A3-8D56-4B4C-8901-F78151994C78}" type="slidenum">
+              <a:rPr lang="en-US" smtClean="0"/>
+              <a:t>18</a:t>
             </a:fld>
             <a:endParaRPr lang="en-US"/>
           </a:p>
@@ -1540,10 +1772,9 @@
           <a:lstStyle/>
           <a:p>
             <a:r>
-              <a:rPr lang="en-US" dirty="0" err="1"/>
-              <a:t>Koffi</a:t>
-            </a:r>
-            <a:endParaRPr lang="en-US" dirty="0"/>
+              <a:rPr lang="en-US" dirty="0"/>
+              <a:t>Chant</a:t>
+            </a:r>
           </a:p>
           <a:p>
             <a:endParaRPr lang="en-US" dirty="0"/>
@@ -1583,7 +1814,7 @@
             <a:pPr lvl="2"/>
             <a:r>
               <a:rPr lang="en-US" dirty="0"/>
-              <a:t>Talk about the graphic to the left</a:t>
+              <a:t>Talk about the graphic to the right</a:t>
             </a:r>
           </a:p>
           <a:p>
@@ -1673,7 +1904,7 @@
           <a:p>
             <a:r>
               <a:rPr lang="en-US" dirty="0"/>
-              <a:t>Chance	</a:t>
+              <a:t>Chance</a:t>
             </a:r>
           </a:p>
         </p:txBody>
@@ -2216,7 +2447,7 @@
           <a:p>
             <a:r>
               <a:rPr lang="en-US" dirty="0"/>
-              <a:t>The country with the most spoken languages spoken by its population is Nigeria.</a:t>
+              <a:t>The country with the most spoken languages spoken by its population is Papua New Guinea.</a:t>
             </a:r>
           </a:p>
           <a:p>
@@ -2379,7 +2610,7 @@
           <a:effectLst/>
           <a:extLst>
             <a:ext uri="{91240B29-F687-4f45-9708-019B960494DF}">
-              <a14:hiddenLine xmlns="" xmlns:a14="http://schemas.microsoft.com/office/drawing/2010/main" w="9525">
+              <a14:hiddenLine xmlns:a14="http://schemas.microsoft.com/office/drawing/2010/main" xmlns="" w="9525">
                 <a:solidFill>
                   <a:srgbClr val="000000"/>
                 </a:solidFill>
@@ -2572,7 +2803,7 @@
             <a:fld id="{08B9EBBA-996F-894A-B54A-D6246ED52CEA}" type="datetimeFigureOut">
               <a:rPr lang="en-US" dirty="0"/>
               <a:pPr/>
-              <a:t>7/27/2021</a:t>
+              <a:t>27-Jul-21</a:t>
             </a:fld>
             <a:endParaRPr lang="en-US" dirty="0"/>
           </a:p>
@@ -2887,7 +3118,7 @@
             <a:fld id="{18C79C5D-2A6F-F04D-97DA-BEF2467B64E4}" type="datetimeFigureOut">
               <a:rPr lang="en-US" dirty="0"/>
               <a:pPr/>
-              <a:t>7/27/2021</a:t>
+              <a:t>27-Jul-21</a:t>
             </a:fld>
             <a:endParaRPr lang="en-US" dirty="0"/>
           </a:p>
@@ -3372,7 +3603,7 @@
             <a:fld id="{8DFA1846-DA80-1C48-A609-854EA85C59AD}" type="datetimeFigureOut">
               <a:rPr lang="en-US" dirty="0"/>
               <a:pPr/>
-              <a:t>7/27/2021</a:t>
+              <a:t>27-Jul-21</a:t>
             </a:fld>
             <a:endParaRPr lang="en-US" dirty="0"/>
           </a:p>
@@ -3738,7 +3969,7 @@
             <a:fld id="{FBF54567-0DE4-3F47-BF90-CB84690072F9}" type="datetimeFigureOut">
               <a:rPr lang="en-US" dirty="0"/>
               <a:pPr/>
-              <a:t>7/27/2021</a:t>
+              <a:t>27-Jul-21</a:t>
             </a:fld>
             <a:endParaRPr lang="en-US" dirty="0"/>
           </a:p>
@@ -3889,7 +4120,7 @@
           <a:ln/>
           <a:extLst>
             <a:ext uri="{91240B29-F687-4f45-9708-019B960494DF}">
-              <a14:hiddenLine xmlns="" xmlns:a14="http://schemas.microsoft.com/office/drawing/2010/main" w="9525">
+              <a14:hiddenLine xmlns:a14="http://schemas.microsoft.com/office/drawing/2010/main" xmlns="" w="9525">
                 <a:solidFill>
                   <a:srgbClr val="000000"/>
                 </a:solidFill>
@@ -4008,7 +4239,7 @@
             <a:fld id="{C6C52C72-DE31-F449-A4ED-4C594FD91407}" type="datetimeFigureOut">
               <a:rPr lang="en-US" dirty="0"/>
               <a:pPr/>
-              <a:t>7/27/2021</a:t>
+              <a:t>27-Jul-21</a:t>
             </a:fld>
             <a:endParaRPr lang="en-US" dirty="0"/>
           </a:p>
@@ -4161,7 +4392,7 @@
           <a:ln/>
           <a:extLst>
             <a:ext uri="{91240B29-F687-4f45-9708-019B960494DF}">
-              <a14:hiddenLine xmlns="" xmlns:a14="http://schemas.microsoft.com/office/drawing/2010/main" w="9525">
+              <a14:hiddenLine xmlns:a14="http://schemas.microsoft.com/office/drawing/2010/main" xmlns="" w="9525">
                 <a:solidFill>
                   <a:srgbClr val="000000"/>
                 </a:solidFill>
@@ -4290,7 +4521,7 @@
             <a:fld id="{ED62726E-379B-B349-9EED-81ED093FA806}" type="datetimeFigureOut">
               <a:rPr lang="en-US" dirty="0"/>
               <a:pPr/>
-              <a:t>7/27/2021</a:t>
+              <a:t>27-Jul-21</a:t>
             </a:fld>
             <a:endParaRPr lang="en-US" dirty="0"/>
           </a:p>
@@ -4441,7 +4672,7 @@
           <a:ln/>
           <a:extLst>
             <a:ext uri="{91240B29-F687-4f45-9708-019B960494DF}">
-              <a14:hiddenLine xmlns="" xmlns:a14="http://schemas.microsoft.com/office/drawing/2010/main" w="9525">
+              <a14:hiddenLine xmlns:a14="http://schemas.microsoft.com/office/drawing/2010/main" xmlns="" w="9525">
                 <a:solidFill>
                   <a:srgbClr val="000000"/>
                 </a:solidFill>
@@ -4570,7 +4801,7 @@
             <a:fld id="{9B3A1323-8D79-1946-B0D7-40001CF92E9D}" type="datetimeFigureOut">
               <a:rPr lang="en-US" dirty="0"/>
               <a:pPr/>
-              <a:t>7/27/2021</a:t>
+              <a:t>27-Jul-21</a:t>
             </a:fld>
             <a:endParaRPr lang="en-US" dirty="0"/>
           </a:p>
@@ -4910,7 +5141,7 @@
             <a:fld id="{8DFA1846-DA80-1C48-A609-854EA85C59AD}" type="datetimeFigureOut">
               <a:rPr lang="en-US" dirty="0"/>
               <a:pPr/>
-              <a:t>7/27/2021</a:t>
+              <a:t>27-Jul-21</a:t>
             </a:fld>
             <a:endParaRPr lang="en-US" dirty="0"/>
           </a:p>
@@ -5061,7 +5292,7 @@
           <a:ln/>
           <a:extLst>
             <a:ext uri="{91240B29-F687-4f45-9708-019B960494DF}">
-              <a14:hiddenLine xmlns="" xmlns:a14="http://schemas.microsoft.com/office/drawing/2010/main" w="9525">
+              <a14:hiddenLine xmlns:a14="http://schemas.microsoft.com/office/drawing/2010/main" xmlns="" w="9525">
                 <a:solidFill>
                   <a:srgbClr val="000000"/>
                 </a:solidFill>
@@ -5246,7 +5477,7 @@
             <a:fld id="{57302355-E14B-8545-A8F8-0FE83CC9D524}" type="datetimeFigureOut">
               <a:rPr lang="en-US" dirty="0"/>
               <a:pPr/>
-              <a:t>7/27/2021</a:t>
+              <a:t>27-Jul-21</a:t>
             </a:fld>
             <a:endParaRPr lang="en-US" dirty="0"/>
           </a:p>
@@ -5397,7 +5628,7 @@
           <a:ln/>
           <a:extLst>
             <a:ext uri="{91240B29-F687-4f45-9708-019B960494DF}">
-              <a14:hiddenLine xmlns="" xmlns:a14="http://schemas.microsoft.com/office/drawing/2010/main" w="9525">
+              <a14:hiddenLine xmlns:a14="http://schemas.microsoft.com/office/drawing/2010/main" xmlns="" w="9525">
                 <a:solidFill>
                   <a:srgbClr val="000000"/>
                 </a:solidFill>
@@ -5720,7 +5951,7 @@
             <a:fld id="{02640F58-564D-2B4F-AE67-E407BA4FCF45}" type="datetimeFigureOut">
               <a:rPr lang="en-US" dirty="0"/>
               <a:pPr/>
-              <a:t>7/27/2021</a:t>
+              <a:t>27-Jul-21</a:t>
             </a:fld>
             <a:endParaRPr lang="en-US" dirty="0"/>
           </a:p>
@@ -5871,7 +6102,7 @@
           <a:ln/>
           <a:extLst>
             <a:ext uri="{91240B29-F687-4f45-9708-019B960494DF}">
-              <a14:hiddenLine xmlns="" xmlns:a14="http://schemas.microsoft.com/office/drawing/2010/main" w="9525">
+              <a14:hiddenLine xmlns:a14="http://schemas.microsoft.com/office/drawing/2010/main" xmlns="" w="9525">
                 <a:solidFill>
                   <a:srgbClr val="000000"/>
                 </a:solidFill>
@@ -5938,7 +6169,7 @@
             <a:fld id="{F13A34C8-038E-2045-AF43-DF7DBB8E0E9E}" type="datetimeFigureOut">
               <a:rPr lang="en-US" dirty="0"/>
               <a:pPr/>
-              <a:t>7/27/2021</a:t>
+              <a:t>27-Jul-21</a:t>
             </a:fld>
             <a:endParaRPr lang="en-US" dirty="0"/>
           </a:p>
@@ -6030,7 +6261,7 @@
             <a:fld id="{8818C68F-D26B-8F47-958C-23B49CF8A634}" type="datetimeFigureOut">
               <a:rPr lang="en-US" dirty="0"/>
               <a:pPr/>
-              <a:t>7/27/2021</a:t>
+              <a:t>27-Jul-21</a:t>
             </a:fld>
             <a:endParaRPr lang="en-US" dirty="0"/>
           </a:p>
@@ -6294,7 +6525,7 @@
           <a:ln/>
           <a:extLst>
             <a:ext uri="{91240B29-F687-4f45-9708-019B960494DF}">
-              <a14:hiddenLine xmlns="" xmlns:a14="http://schemas.microsoft.com/office/drawing/2010/main" w="9525">
+              <a14:hiddenLine xmlns:a14="http://schemas.microsoft.com/office/drawing/2010/main" xmlns="" w="9525">
                 <a:solidFill>
                   <a:srgbClr val="000000"/>
                 </a:solidFill>
@@ -6494,7 +6725,7 @@
             <a:fld id="{D0DF5E60-9974-AC48-9591-99C2BB44B7CF}" type="datetimeFigureOut">
               <a:rPr lang="en-US" dirty="0"/>
               <a:pPr/>
-              <a:t>7/27/2021</a:t>
+              <a:t>27-Jul-21</a:t>
             </a:fld>
             <a:endParaRPr lang="en-US" dirty="0"/>
           </a:p>
@@ -6804,7 +7035,7 @@
             <a:fld id="{18C79C5D-2A6F-F04D-97DA-BEF2467B64E4}" type="datetimeFigureOut">
               <a:rPr lang="en-US" dirty="0"/>
               <a:pPr/>
-              <a:t>7/27/2021</a:t>
+              <a:t>27-Jul-21</a:t>
             </a:fld>
             <a:endParaRPr lang="en-US" dirty="0"/>
           </a:p>
@@ -7071,7 +7302,7 @@
             <a:fld id="{09B482E8-6E0E-1B4F-B1FD-C69DB9E858D9}" type="datetimeFigureOut">
               <a:rPr lang="en-US" dirty="0"/>
               <a:pPr/>
-              <a:t>7/27/2021</a:t>
+              <a:t>27-Jul-21</a:t>
             </a:fld>
             <a:endParaRPr lang="en-US" dirty="0"/>
           </a:p>
@@ -7613,14 +7844,6 @@
 <file path=ppt/slides/slide10.xml><?xml version="1.0" encoding="utf-8"?>
 <p:sld xmlns:a="http://schemas.openxmlformats.org/drawingml/2006/main" xmlns:r="http://schemas.openxmlformats.org/officeDocument/2006/relationships" xmlns:p="http://schemas.openxmlformats.org/presentationml/2006/main">
   <p:cSld>
-    <p:bg>
-      <p:bgPr>
-        <a:solidFill>
-          <a:schemeClr val="bg2"/>
-        </a:solidFill>
-        <a:effectLst/>
-      </p:bgPr>
-    </p:bg>
     <p:spTree>
       <p:nvGrpSpPr>
         <p:cNvPr id="1" name=""/>
@@ -7635,180 +7858,70 @@
           <a:chExt cx="0" cy="0"/>
         </a:xfrm>
       </p:grpSpPr>
-      <p:sp>
-        <p:nvSpPr>
-          <p:cNvPr id="71" name="Freeform 6">
+      <p:pic>
+        <p:nvPicPr>
+          <p:cNvPr id="3" name="Picture 2">
             <a:extLst>
               <a:ext uri="{FF2B5EF4-FFF2-40B4-BE49-F238E27FC236}">
-                <a16:creationId xmlns:a16="http://schemas.microsoft.com/office/drawing/2014/main" id="{732012F0-A79F-4166-AAFD-796C07F49415}"/>
-              </a:ext>
-              <a:ext uri="{C183D7F6-B498-43B3-948B-1728B52AA6E4}">
-                <adec:decorative xmlns:adec="http://schemas.microsoft.com/office/drawing/2017/decorative" val="1"/>
-              </a:ext>
-            </a:extLst>
-          </p:cNvPr>
-          <p:cNvSpPr>
-            <a:spLocks noGrp="1" noRot="1" noChangeAspect="1" noMove="1" noResize="1" noEditPoints="1" noAdjustHandles="1" noChangeArrowheads="1" noChangeShapeType="1" noTextEdit="1"/>
-          </p:cNvSpPr>
-          <p:nvPr>
-            <p:extLst>
-              <p:ext uri="{386F3935-93C4-4BCD-93E2-E3B085C9AB24}">
-                <p16:designElem xmlns:p16="http://schemas.microsoft.com/office/powerpoint/2015/main" val="1"/>
-              </p:ext>
-            </p:extLst>
-          </p:nvPr>
-        </p:nvSpPr>
-        <p:spPr bwMode="auto">
-          <a:xfrm>
-            <a:off x="10886" y="-3175"/>
-            <a:ext cx="12192000" cy="6229804"/>
-          </a:xfrm>
-          <a:custGeom>
-            <a:avLst/>
-            <a:gdLst/>
-            <a:ahLst/>
-            <a:cxnLst/>
-            <a:rect l="0" t="0" r="r" b="b"/>
-            <a:pathLst>
-              <a:path w="5760" h="3278">
-                <a:moveTo>
-                  <a:pt x="5760" y="0"/>
-                </a:moveTo>
-                <a:lnTo>
-                  <a:pt x="0" y="0"/>
-                </a:lnTo>
-                <a:lnTo>
-                  <a:pt x="0" y="3090"/>
-                </a:lnTo>
-                <a:lnTo>
-                  <a:pt x="943" y="3090"/>
-                </a:lnTo>
-                <a:lnTo>
-                  <a:pt x="1123" y="3270"/>
-                </a:lnTo>
-                <a:lnTo>
-                  <a:pt x="1123" y="3270"/>
-                </a:lnTo>
-                <a:lnTo>
-                  <a:pt x="1127" y="3272"/>
-                </a:lnTo>
-                <a:lnTo>
-                  <a:pt x="1133" y="3275"/>
-                </a:lnTo>
-                <a:lnTo>
-                  <a:pt x="1139" y="3278"/>
-                </a:lnTo>
-                <a:lnTo>
-                  <a:pt x="1144" y="3278"/>
-                </a:lnTo>
-                <a:lnTo>
-                  <a:pt x="1150" y="3278"/>
-                </a:lnTo>
-                <a:lnTo>
-                  <a:pt x="1155" y="3275"/>
-                </a:lnTo>
-                <a:lnTo>
-                  <a:pt x="1161" y="3272"/>
-                </a:lnTo>
-                <a:lnTo>
-                  <a:pt x="1165" y="3270"/>
-                </a:lnTo>
-                <a:lnTo>
-                  <a:pt x="1345" y="3090"/>
-                </a:lnTo>
-                <a:lnTo>
-                  <a:pt x="5760" y="3090"/>
-                </a:lnTo>
-                <a:lnTo>
-                  <a:pt x="5760" y="0"/>
-                </a:lnTo>
-                <a:close/>
-              </a:path>
-            </a:pathLst>
-          </a:custGeom>
-          <a:solidFill>
-            <a:srgbClr val="FFFFFF"/>
-          </a:solidFill>
-          <a:ln/>
-          <a:effectLst/>
-          <a:extLst>
-            <a:ext uri="{91240B29-F687-4f45-9708-019B960494DF}">
-              <a14:hiddenLine xmlns="" xmlns:a16="http://schemas.microsoft.com/office/drawing/2014/main" xmlns:p14="http://schemas.microsoft.com/office/powerpoint/2010/main" xmlns:a14="http://schemas.microsoft.com/office/drawing/2010/main" w="9525">
-                <a:solidFill>
-                  <a:srgbClr val="000000"/>
-                </a:solidFill>
-                <a:round/>
-                <a:headEnd/>
-                <a:tailEnd/>
-              </a14:hiddenLine>
-            </a:ext>
-          </a:extLst>
-        </p:spPr>
-        <p:style>
-          <a:lnRef idx="1">
-            <a:schemeClr val="accent1"/>
-          </a:lnRef>
-          <a:fillRef idx="3">
-            <a:schemeClr val="accent1"/>
-          </a:fillRef>
-          <a:effectRef idx="2">
-            <a:schemeClr val="accent1"/>
-          </a:effectRef>
-          <a:fontRef idx="minor">
-            <a:schemeClr val="lt1"/>
-          </a:fontRef>
-        </p:style>
-      </p:sp>
-      <p:pic>
-        <p:nvPicPr>
-          <p:cNvPr id="1026" name="Picture 2" descr="Image preview">
-            <a:extLst>
-              <a:ext uri="{FF2B5EF4-FFF2-40B4-BE49-F238E27FC236}">
-                <a16:creationId xmlns:a16="http://schemas.microsoft.com/office/drawing/2014/main" id="{AFB60ACB-0556-47DC-9907-78210203121A}"/>
+                <a16:creationId xmlns:a16="http://schemas.microsoft.com/office/drawing/2014/main" id="{0092AFA6-C1AD-45E8-916E-019A4D14CDB4}"/>
               </a:ext>
             </a:extLst>
           </p:cNvPr>
           <p:cNvPicPr>
-            <a:picLocks noChangeAspect="1" noChangeArrowheads="1"/>
+            <a:picLocks noChangeAspect="1"/>
           </p:cNvPicPr>
           <p:nvPr/>
         </p:nvPicPr>
         <p:blipFill>
-          <a:blip r:embed="rId3">
-            <a:extLst>
-              <a:ext uri="{28A0092B-C50C-407E-A947-70E740481C1C}">
-                <a14:useLocalDpi xmlns:a14="http://schemas.microsoft.com/office/drawing/2010/main" val="0"/>
-              </a:ext>
-            </a:extLst>
-          </a:blip>
+          <a:blip r:embed="rId3"/>
           <a:stretch>
             <a:fillRect/>
           </a:stretch>
         </p:blipFill>
-        <p:spPr bwMode="auto">
+        <p:spPr>
           <a:xfrm>
-            <a:off x="2173463" y="321733"/>
-            <a:ext cx="7845074" cy="5230049"/>
+            <a:off x="-1" y="0"/>
+            <a:ext cx="12192001" cy="6893708"/>
           </a:xfrm>
           <a:prstGeom prst="rect">
             <a:avLst/>
           </a:prstGeom>
-          <a:noFill/>
-          <a:extLst>
-            <a:ext uri="{909E8E84-426E-40DD-AFC4-6F175D3DCCD1}">
-              <a14:hiddenFill xmlns:a14="http://schemas.microsoft.com/office/drawing/2010/main">
-                <a:solidFill>
-                  <a:srgbClr val="FFFFFF"/>
-                </a:solidFill>
-              </a14:hiddenFill>
-            </a:ext>
-          </a:extLst>
+        </p:spPr>
+      </p:pic>
+      <p:pic>
+        <p:nvPicPr>
+          <p:cNvPr id="6" name="Picture 5" descr="Chart, bar chart&#10;&#10;Description automatically generated">
+            <a:extLst>
+              <a:ext uri="{FF2B5EF4-FFF2-40B4-BE49-F238E27FC236}">
+                <a16:creationId xmlns:a16="http://schemas.microsoft.com/office/drawing/2014/main" id="{BF45C820-80E9-4F6F-BEE2-BA534B1FDF41}"/>
+              </a:ext>
+            </a:extLst>
+          </p:cNvPr>
+          <p:cNvPicPr>
+            <a:picLocks noChangeAspect="1"/>
+          </p:cNvPicPr>
+          <p:nvPr/>
+        </p:nvPicPr>
+        <p:blipFill>
+          <a:blip r:embed="rId4"/>
+          <a:stretch>
+            <a:fillRect/>
+          </a:stretch>
+        </p:blipFill>
+        <p:spPr>
+          <a:xfrm>
+            <a:off x="739300" y="234542"/>
+            <a:ext cx="9935188" cy="6623458"/>
+          </a:xfrm>
+          <a:prstGeom prst="rect">
+            <a:avLst/>
+          </a:prstGeom>
         </p:spPr>
       </p:pic>
     </p:spTree>
     <p:extLst>
       <p:ext uri="{BB962C8B-B14F-4D97-AF65-F5344CB8AC3E}">
-        <p14:creationId xmlns:p14="http://schemas.microsoft.com/office/powerpoint/2010/main" val="3823895060"/>
+        <p14:creationId xmlns:p14="http://schemas.microsoft.com/office/powerpoint/2010/main" val="3286699183"/>
       </p:ext>
     </p:extLst>
   </p:cSld>
@@ -7867,49 +7980,31 @@
       </p:pic>
       <p:pic>
         <p:nvPicPr>
-          <p:cNvPr id="5122" name="Picture 2" descr="Image preview">
+          <p:cNvPr id="4" name="Picture 3">
             <a:extLst>
               <a:ext uri="{FF2B5EF4-FFF2-40B4-BE49-F238E27FC236}">
-                <a16:creationId xmlns:a16="http://schemas.microsoft.com/office/drawing/2014/main" id="{23A5F56F-EC2B-4BD5-9342-7569FDC07C33}"/>
+                <a16:creationId xmlns:a16="http://schemas.microsoft.com/office/drawing/2014/main" id="{C298F7AB-6CFB-4448-A2EB-FC1FD1176B80}"/>
               </a:ext>
             </a:extLst>
           </p:cNvPr>
           <p:cNvPicPr>
-            <a:picLocks noChangeAspect="1" noChangeArrowheads="1"/>
+            <a:picLocks noChangeAspect="1"/>
           </p:cNvPicPr>
           <p:nvPr/>
         </p:nvPicPr>
-        <p:blipFill>
-          <a:blip r:embed="rId4">
-            <a:extLst>
-              <a:ext uri="{28A0092B-C50C-407E-A947-70E740481C1C}">
-                <a14:useLocalDpi xmlns:a14="http://schemas.microsoft.com/office/drawing/2010/main" val="0"/>
-              </a:ext>
-            </a:extLst>
-          </a:blip>
-          <a:srcRect/>
-          <a:stretch>
-            <a:fillRect/>
-          </a:stretch>
+        <p:blipFill rotWithShape="1">
+          <a:blip r:embed="rId4"/>
+          <a:srcRect t="15942" b="18508"/>
+          <a:stretch/>
         </p:blipFill>
-        <p:spPr bwMode="auto">
+        <p:spPr>
           <a:xfrm>
-            <a:off x="952500" y="0"/>
-            <a:ext cx="10287000" cy="6858000"/>
+            <a:off x="139607" y="650152"/>
+            <a:ext cx="11912786" cy="5205899"/>
           </a:xfrm>
           <a:prstGeom prst="rect">
             <a:avLst/>
           </a:prstGeom>
-          <a:noFill/>
-          <a:extLst>
-            <a:ext uri="{909E8E84-426E-40DD-AFC4-6F175D3DCCD1}">
-              <a14:hiddenFill xmlns:a14="http://schemas.microsoft.com/office/drawing/2010/main">
-                <a:solidFill>
-                  <a:srgbClr val="FFFFFF"/>
-                </a:solidFill>
-              </a14:hiddenFill>
-            </a:ext>
-          </a:extLst>
         </p:spPr>
       </p:pic>
     </p:spTree>
@@ -7944,55 +8039,68 @@
       </p:grpSpPr>
       <p:pic>
         <p:nvPicPr>
-          <p:cNvPr id="2050" name="Picture 2" descr="Image preview">
+          <p:cNvPr id="3" name="Picture 2">
             <a:extLst>
               <a:ext uri="{FF2B5EF4-FFF2-40B4-BE49-F238E27FC236}">
-                <a16:creationId xmlns:a16="http://schemas.microsoft.com/office/drawing/2014/main" id="{1B3D63FF-481A-400E-88F9-040F3412F778}"/>
+                <a16:creationId xmlns:a16="http://schemas.microsoft.com/office/drawing/2014/main" id="{0092AFA6-C1AD-45E8-916E-019A4D14CDB4}"/>
               </a:ext>
             </a:extLst>
           </p:cNvPr>
           <p:cNvPicPr>
-            <a:picLocks noChangeAspect="1" noChangeArrowheads="1"/>
+            <a:picLocks noChangeAspect="1"/>
           </p:cNvPicPr>
           <p:nvPr/>
         </p:nvPicPr>
         <p:blipFill>
-          <a:blip r:embed="rId3">
-            <a:extLst>
-              <a:ext uri="{28A0092B-C50C-407E-A947-70E740481C1C}">
-                <a14:useLocalDpi xmlns:a14="http://schemas.microsoft.com/office/drawing/2010/main" val="0"/>
-              </a:ext>
-            </a:extLst>
-          </a:blip>
-          <a:srcRect/>
+          <a:blip r:embed="rId3"/>
           <a:stretch>
             <a:fillRect/>
           </a:stretch>
         </p:blipFill>
-        <p:spPr bwMode="auto">
+        <p:spPr>
           <a:xfrm>
-            <a:off x="448150" y="471054"/>
-            <a:ext cx="11295700" cy="5486401"/>
+            <a:off x="-1" y="0"/>
+            <a:ext cx="12192001" cy="6893708"/>
           </a:xfrm>
           <a:prstGeom prst="rect">
             <a:avLst/>
           </a:prstGeom>
-          <a:noFill/>
-          <a:extLst>
-            <a:ext uri="{909E8E84-426E-40DD-AFC4-6F175D3DCCD1}">
-              <a14:hiddenFill xmlns:a14="http://schemas.microsoft.com/office/drawing/2010/main">
-                <a:solidFill>
-                  <a:srgbClr val="FFFFFF"/>
-                </a:solidFill>
-              </a14:hiddenFill>
-            </a:ext>
-          </a:extLst>
+        </p:spPr>
+      </p:pic>
+      <p:pic>
+        <p:nvPicPr>
+          <p:cNvPr id="7" name="Picture 6" descr="Chart, bar chart&#10;&#10;Description automatically generated">
+            <a:extLst>
+              <a:ext uri="{FF2B5EF4-FFF2-40B4-BE49-F238E27FC236}">
+                <a16:creationId xmlns:a16="http://schemas.microsoft.com/office/drawing/2014/main" id="{FD0E05C3-3FA9-4123-AFEE-E0CEBAF83808}"/>
+              </a:ext>
+            </a:extLst>
+          </p:cNvPr>
+          <p:cNvPicPr>
+            <a:picLocks noChangeAspect="1"/>
+          </p:cNvPicPr>
+          <p:nvPr/>
+        </p:nvPicPr>
+        <p:blipFill>
+          <a:blip r:embed="rId4"/>
+          <a:stretch>
+            <a:fillRect/>
+          </a:stretch>
+        </p:blipFill>
+        <p:spPr>
+          <a:xfrm>
+            <a:off x="273991" y="517996"/>
+            <a:ext cx="11644018" cy="5822008"/>
+          </a:xfrm>
+          <a:prstGeom prst="rect">
+            <a:avLst/>
+          </a:prstGeom>
         </p:spPr>
       </p:pic>
     </p:spTree>
     <p:extLst>
       <p:ext uri="{BB962C8B-B14F-4D97-AF65-F5344CB8AC3E}">
-        <p14:creationId xmlns:p14="http://schemas.microsoft.com/office/powerpoint/2010/main" val="88917927"/>
+        <p14:creationId xmlns:p14="http://schemas.microsoft.com/office/powerpoint/2010/main" val="3326926809"/>
       </p:ext>
     </p:extLst>
   </p:cSld>
@@ -8019,72 +8127,70 @@
           <a:chExt cx="0" cy="0"/>
         </a:xfrm>
       </p:grpSpPr>
-      <p:sp>
-        <p:nvSpPr>
-          <p:cNvPr id="2" name="Title 1">
+      <p:pic>
+        <p:nvPicPr>
+          <p:cNvPr id="3" name="Picture 2">
             <a:extLst>
               <a:ext uri="{FF2B5EF4-FFF2-40B4-BE49-F238E27FC236}">
-                <a16:creationId xmlns:a16="http://schemas.microsoft.com/office/drawing/2014/main" id="{C7D25C29-CA3A-4E50-A4AD-1C1018554503}"/>
+                <a16:creationId xmlns:a16="http://schemas.microsoft.com/office/drawing/2014/main" id="{0092AFA6-C1AD-45E8-916E-019A4D14CDB4}"/>
               </a:ext>
             </a:extLst>
           </p:cNvPr>
-          <p:cNvSpPr>
-            <a:spLocks noGrp="1"/>
-          </p:cNvSpPr>
-          <p:nvPr>
-            <p:ph type="title"/>
-          </p:nvPr>
-        </p:nvSpPr>
-        <p:spPr/>
-        <p:txBody>
-          <a:bodyPr/>
-          <a:lstStyle/>
-          <a:p>
-            <a:r>
-              <a:rPr lang="en-US" dirty="0"/>
-              <a:t>Class interaction Slide</a:t>
-            </a:r>
-          </a:p>
-        </p:txBody>
-      </p:sp>
-      <p:sp>
-        <p:nvSpPr>
-          <p:cNvPr id="3" name="Content Placeholder 2">
+          <p:cNvPicPr>
+            <a:picLocks noChangeAspect="1"/>
+          </p:cNvPicPr>
+          <p:nvPr/>
+        </p:nvPicPr>
+        <p:blipFill>
+          <a:blip r:embed="rId3"/>
+          <a:stretch>
+            <a:fillRect/>
+          </a:stretch>
+        </p:blipFill>
+        <p:spPr>
+          <a:xfrm>
+            <a:off x="-1" y="0"/>
+            <a:ext cx="12192001" cy="6893708"/>
+          </a:xfrm>
+          <a:prstGeom prst="rect">
+            <a:avLst/>
+          </a:prstGeom>
+        </p:spPr>
+      </p:pic>
+      <p:pic>
+        <p:nvPicPr>
+          <p:cNvPr id="5" name="Picture 4" descr="Chart, bar chart&#10;&#10;Description automatically generated">
             <a:extLst>
               <a:ext uri="{FF2B5EF4-FFF2-40B4-BE49-F238E27FC236}">
-                <a16:creationId xmlns:a16="http://schemas.microsoft.com/office/drawing/2014/main" id="{A3C04F46-D549-4BFC-AF1F-6CFD198CC1BA}"/>
+                <a16:creationId xmlns:a16="http://schemas.microsoft.com/office/drawing/2014/main" id="{DA236B6E-7DA3-4341-8B0A-2D10C31C9F7B}"/>
               </a:ext>
             </a:extLst>
           </p:cNvPr>
-          <p:cNvSpPr>
-            <a:spLocks noGrp="1"/>
-          </p:cNvSpPr>
-          <p:nvPr>
-            <p:ph idx="1"/>
-          </p:nvPr>
-        </p:nvSpPr>
-        <p:spPr/>
-        <p:txBody>
-          <a:bodyPr/>
-          <a:lstStyle/>
-          <a:p>
-            <a:pPr marL="0" indent="0">
-              <a:buNone/>
-            </a:pPr>
-            <a:endParaRPr lang="en-US" dirty="0"/>
-          </a:p>
-          <a:p>
-            <a:r>
-              <a:rPr lang="en-US" dirty="0"/>
-              <a:t>Class, are there any languages that you would like to have visualized? </a:t>
-            </a:r>
-          </a:p>
-        </p:txBody>
-      </p:sp>
+          <p:cNvPicPr>
+            <a:picLocks noChangeAspect="1"/>
+          </p:cNvPicPr>
+          <p:nvPr/>
+        </p:nvPicPr>
+        <p:blipFill>
+          <a:blip r:embed="rId4"/>
+          <a:stretch>
+            <a:fillRect/>
+          </a:stretch>
+        </p:blipFill>
+        <p:spPr>
+          <a:xfrm>
+            <a:off x="196169" y="479085"/>
+            <a:ext cx="11799661" cy="5899830"/>
+          </a:xfrm>
+          <a:prstGeom prst="rect">
+            <a:avLst/>
+          </a:prstGeom>
+        </p:spPr>
+      </p:pic>
     </p:spTree>
     <p:extLst>
       <p:ext uri="{BB962C8B-B14F-4D97-AF65-F5344CB8AC3E}">
-        <p14:creationId xmlns:p14="http://schemas.microsoft.com/office/powerpoint/2010/main" val="1759709508"/>
+        <p14:creationId xmlns:p14="http://schemas.microsoft.com/office/powerpoint/2010/main" val="1006912888"/>
       </p:ext>
     </p:extLst>
   </p:cSld>
@@ -8111,6 +8217,157 @@
           <a:chExt cx="0" cy="0"/>
         </a:xfrm>
       </p:grpSpPr>
+      <p:pic>
+        <p:nvPicPr>
+          <p:cNvPr id="3" name="Picture 2" descr="Chart, scatter chart&#10;&#10;Description automatically generated">
+            <a:extLst>
+              <a:ext uri="{FF2B5EF4-FFF2-40B4-BE49-F238E27FC236}">
+                <a16:creationId xmlns:a16="http://schemas.microsoft.com/office/drawing/2014/main" id="{A9DB68A1-19B6-4086-AAAB-494CC7DF6739}"/>
+              </a:ext>
+            </a:extLst>
+          </p:cNvPr>
+          <p:cNvPicPr>
+            <a:picLocks noChangeAspect="1"/>
+          </p:cNvPicPr>
+          <p:nvPr/>
+        </p:nvPicPr>
+        <p:blipFill>
+          <a:blip r:embed="rId3"/>
+          <a:stretch>
+            <a:fillRect/>
+          </a:stretch>
+        </p:blipFill>
+        <p:spPr>
+          <a:xfrm>
+            <a:off x="152388" y="685794"/>
+            <a:ext cx="11887224" cy="5486411"/>
+          </a:xfrm>
+          <a:prstGeom prst="rect">
+            <a:avLst/>
+          </a:prstGeom>
+        </p:spPr>
+      </p:pic>
+    </p:spTree>
+    <p:extLst>
+      <p:ext uri="{BB962C8B-B14F-4D97-AF65-F5344CB8AC3E}">
+        <p14:creationId xmlns:p14="http://schemas.microsoft.com/office/powerpoint/2010/main" val="88917927"/>
+      </p:ext>
+    </p:extLst>
+  </p:cSld>
+  <p:clrMapOvr>
+    <a:masterClrMapping/>
+  </p:clrMapOvr>
+</p:sld>
+</file>
+
+<file path=ppt/slides/slide15.xml><?xml version="1.0" encoding="utf-8"?>
+<p:sld xmlns:a="http://schemas.openxmlformats.org/drawingml/2006/main" xmlns:r="http://schemas.openxmlformats.org/officeDocument/2006/relationships" xmlns:p="http://schemas.openxmlformats.org/presentationml/2006/main">
+  <p:cSld>
+    <p:spTree>
+      <p:nvGrpSpPr>
+        <p:cNvPr id="1" name=""/>
+        <p:cNvGrpSpPr/>
+        <p:nvPr/>
+      </p:nvGrpSpPr>
+      <p:grpSpPr>
+        <a:xfrm>
+          <a:off x="0" y="0"/>
+          <a:ext cx="0" cy="0"/>
+          <a:chOff x="0" y="0"/>
+          <a:chExt cx="0" cy="0"/>
+        </a:xfrm>
+      </p:grpSpPr>
+      <p:sp>
+        <p:nvSpPr>
+          <p:cNvPr id="2" name="Title 1">
+            <a:extLst>
+              <a:ext uri="{FF2B5EF4-FFF2-40B4-BE49-F238E27FC236}">
+                <a16:creationId xmlns:a16="http://schemas.microsoft.com/office/drawing/2014/main" id="{C7D25C29-CA3A-4E50-A4AD-1C1018554503}"/>
+              </a:ext>
+            </a:extLst>
+          </p:cNvPr>
+          <p:cNvSpPr>
+            <a:spLocks noGrp="1"/>
+          </p:cNvSpPr>
+          <p:nvPr>
+            <p:ph type="title"/>
+          </p:nvPr>
+        </p:nvSpPr>
+        <p:spPr/>
+        <p:txBody>
+          <a:bodyPr/>
+          <a:lstStyle/>
+          <a:p>
+            <a:r>
+              <a:rPr lang="en-US" dirty="0"/>
+              <a:t>Interaction Time</a:t>
+            </a:r>
+          </a:p>
+        </p:txBody>
+      </p:sp>
+      <p:sp>
+        <p:nvSpPr>
+          <p:cNvPr id="3" name="Content Placeholder 2">
+            <a:extLst>
+              <a:ext uri="{FF2B5EF4-FFF2-40B4-BE49-F238E27FC236}">
+                <a16:creationId xmlns:a16="http://schemas.microsoft.com/office/drawing/2014/main" id="{A3C04F46-D549-4BFC-AF1F-6CFD198CC1BA}"/>
+              </a:ext>
+            </a:extLst>
+          </p:cNvPr>
+          <p:cNvSpPr>
+            <a:spLocks noGrp="1"/>
+          </p:cNvSpPr>
+          <p:nvPr>
+            <p:ph idx="1"/>
+          </p:nvPr>
+        </p:nvSpPr>
+        <p:spPr/>
+        <p:txBody>
+          <a:bodyPr>
+            <a:normAutofit/>
+          </a:bodyPr>
+          <a:lstStyle/>
+          <a:p>
+            <a:pPr marL="0" indent="0">
+              <a:buNone/>
+            </a:pPr>
+            <a:r>
+              <a:rPr lang="en-US" sz="5400" dirty="0"/>
+              <a:t>What do you want to see?</a:t>
+            </a:r>
+          </a:p>
+        </p:txBody>
+      </p:sp>
+    </p:spTree>
+    <p:extLst>
+      <p:ext uri="{BB962C8B-B14F-4D97-AF65-F5344CB8AC3E}">
+        <p14:creationId xmlns:p14="http://schemas.microsoft.com/office/powerpoint/2010/main" val="1759709508"/>
+      </p:ext>
+    </p:extLst>
+  </p:cSld>
+  <p:clrMapOvr>
+    <a:masterClrMapping/>
+  </p:clrMapOvr>
+</p:sld>
+</file>
+
+<file path=ppt/slides/slide16.xml><?xml version="1.0" encoding="utf-8"?>
+<p:sld xmlns:a="http://schemas.openxmlformats.org/drawingml/2006/main" xmlns:r="http://schemas.openxmlformats.org/officeDocument/2006/relationships" xmlns:p="http://schemas.openxmlformats.org/presentationml/2006/main">
+  <p:cSld>
+    <p:spTree>
+      <p:nvGrpSpPr>
+        <p:cNvPr id="1" name=""/>
+        <p:cNvGrpSpPr/>
+        <p:nvPr/>
+      </p:nvGrpSpPr>
+      <p:grpSpPr>
+        <a:xfrm>
+          <a:off x="0" y="0"/>
+          <a:ext cx="0" cy="0"/>
+          <a:chOff x="0" y="0"/>
+          <a:chExt cx="0" cy="0"/>
+        </a:xfrm>
+      </p:grpSpPr>
       <p:sp>
         <p:nvSpPr>
           <p:cNvPr id="2" name="Title 1">
@@ -8157,13 +8414,45 @@
         </p:nvSpPr>
         <p:spPr>
           <a:xfrm>
-            <a:off x="827424" y="1417638"/>
-            <a:ext cx="10554574" cy="3636511"/>
+            <a:off x="818712" y="2533473"/>
+            <a:ext cx="10554574" cy="1791053"/>
           </a:xfrm>
         </p:spPr>
         <p:txBody>
-          <a:bodyPr/>
-          <a:lstStyle/>
+          <a:bodyPr>
+            <a:normAutofit fontScale="92500" lnSpcReduction="20000"/>
+          </a:bodyPr>
+          <a:lstStyle/>
+          <a:p>
+            <a:pPr marL="0" indent="0">
+              <a:buNone/>
+            </a:pPr>
+            <a:endParaRPr lang="en-US" dirty="0"/>
+          </a:p>
+          <a:p>
+            <a:r>
+              <a:rPr lang="en-US" dirty="0"/>
+              <a:t>Include all countries</a:t>
+            </a:r>
+          </a:p>
+          <a:p>
+            <a:r>
+              <a:rPr lang="en-US" dirty="0"/>
+              <a:t>Sound samples / links to sound samples</a:t>
+            </a:r>
+          </a:p>
+          <a:p>
+            <a:r>
+              <a:rPr lang="en-US" dirty="0"/>
+              <a:t>Add proper syllable names</a:t>
+            </a:r>
+          </a:p>
+          <a:p>
+            <a:r>
+              <a:rPr lang="en-US" dirty="0"/>
+              <a:t>Tones</a:t>
+            </a:r>
+          </a:p>
           <a:p>
             <a:pPr marL="0" indent="0">
               <a:buNone/>
@@ -8201,7 +8490,7 @@
         </p:blipFill>
         <p:spPr bwMode="auto">
           <a:xfrm>
-            <a:off x="701336" y="2393718"/>
+            <a:off x="5428148" y="3809596"/>
             <a:ext cx="2957280" cy="2793851"/>
           </a:xfrm>
           <a:prstGeom prst="rect">
@@ -8248,7 +8537,7 @@
         </p:blipFill>
         <p:spPr bwMode="auto">
           <a:xfrm>
-            <a:off x="4672557" y="2991093"/>
+            <a:off x="959691" y="5004347"/>
             <a:ext cx="2846883" cy="1599100"/>
           </a:xfrm>
           <a:prstGeom prst="rect">
@@ -8295,7 +8584,7 @@
         </p:blipFill>
         <p:spPr bwMode="auto">
           <a:xfrm>
-            <a:off x="8533381" y="2020887"/>
+            <a:off x="9632606" y="3183972"/>
             <a:ext cx="2130840" cy="3419475"/>
           </a:xfrm>
           <a:prstGeom prst="rect">
@@ -8326,8 +8615,8 @@
 </p:sld>
 </file>
 
-<file path=ppt/slides/slide15.xml><?xml version="1.0" encoding="utf-8"?>
-<p:sld xmlns:a="http://schemas.openxmlformats.org/drawingml/2006/main" xmlns:r="http://schemas.openxmlformats.org/officeDocument/2006/relationships" xmlns:p="http://schemas.openxmlformats.org/presentationml/2006/main">
+<file path=ppt/slides/slide17.xml><?xml version="1.0" encoding="utf-8"?>
+<p:sld xmlns:a="http://schemas.openxmlformats.org/drawingml/2006/main" xmlns:r="http://schemas.openxmlformats.org/officeDocument/2006/relationships" xmlns:p="http://schemas.openxmlformats.org/presentationml/2006/main" show="0">
   <p:cSld>
     <p:spTree>
       <p:nvGrpSpPr>
@@ -8434,7 +8723,7 @@
 </p:sld>
 </file>
 
-<file path=ppt/slides/slide16.xml><?xml version="1.0" encoding="utf-8"?>
+<file path=ppt/slides/slide18.xml><?xml version="1.0" encoding="utf-8"?>
 <p:sld xmlns:a="http://schemas.openxmlformats.org/drawingml/2006/main" xmlns:r="http://schemas.openxmlformats.org/officeDocument/2006/relationships" xmlns:p="http://schemas.openxmlformats.org/presentationml/2006/main">
   <p:cSld>
     <p:spTree>
@@ -8884,23 +9173,20 @@
           <a:p>
             <a:r>
               <a:rPr lang="en-US" dirty="0"/>
-              <a:t>We chose linguistics because we’ve never seen a collection on similar data.</a:t>
-            </a:r>
-          </a:p>
-          <a:p>
-            <a:r>
-              <a:rPr lang="en-US" dirty="0"/>
-              <a:t>Although the data may be difficult to analyze, we are personally interested in the topic.</a:t>
-            </a:r>
-          </a:p>
-          <a:p>
-            <a:r>
-              <a:rPr lang="en-US" dirty="0"/>
-              <a:t>It’s COOL! </a:t>
-            </a:r>
-          </a:p>
-          <a:p>
-            <a:endParaRPr lang="en-US" dirty="0"/>
+              <a:t>Uncommon project topic</a:t>
+            </a:r>
+          </a:p>
+          <a:p>
+            <a:r>
+              <a:rPr lang="en-US" dirty="0"/>
+              <a:t>Personal interest</a:t>
+            </a:r>
+          </a:p>
+          <a:p>
+            <a:r>
+              <a:rPr lang="en-US" dirty="0"/>
+              <a:t>Interpreting this data is challenging</a:t>
+            </a:r>
           </a:p>
         </p:txBody>
       </p:sp>
@@ -9011,17 +9297,15 @@
             </a:r>
           </a:p>
           <a:p>
-            <a:pPr lvl="1"/>
-            <a:r>
-              <a:rPr lang="en-US" dirty="0"/>
-              <a:t>How are these languages around the world similar? </a:t>
-            </a:r>
-          </a:p>
-          <a:p>
-            <a:pPr lvl="2"/>
-            <a:r>
-              <a:rPr lang="en-US" dirty="0"/>
-              <a:t>The answer may be found in analyzing language syllables.</a:t>
+            <a:r>
+              <a:rPr lang="en-US" dirty="0"/>
+              <a:t>How are languages around the world similar? </a:t>
+            </a:r>
+          </a:p>
+          <a:p>
+            <a:r>
+              <a:rPr lang="en-US" dirty="0"/>
+              <a:t>Analyzing language syllables</a:t>
             </a:r>
           </a:p>
         </p:txBody>
@@ -9279,6 +9563,58 @@
           </a:extLst>
         </p:spPr>
       </p:pic>
+      <p:sp>
+        <p:nvSpPr>
+          <p:cNvPr id="3" name="Rectangle 2">
+            <a:extLst>
+              <a:ext uri="{FF2B5EF4-FFF2-40B4-BE49-F238E27FC236}">
+                <a16:creationId xmlns:a16="http://schemas.microsoft.com/office/drawing/2014/main" id="{678064D2-7451-41F4-81DB-E5C063759D6C}"/>
+              </a:ext>
+            </a:extLst>
+          </p:cNvPr>
+          <p:cNvSpPr/>
+          <p:nvPr/>
+        </p:nvSpPr>
+        <p:spPr>
+          <a:xfrm>
+            <a:off x="1439694" y="1721796"/>
+            <a:ext cx="914400" cy="865762"/>
+          </a:xfrm>
+          <a:prstGeom prst="rect">
+            <a:avLst/>
+          </a:prstGeom>
+          <a:noFill/>
+          <a:ln w="38100">
+            <a:solidFill>
+              <a:srgbClr val="FF0000"/>
+            </a:solidFill>
+          </a:ln>
+        </p:spPr>
+        <p:style>
+          <a:lnRef idx="2">
+            <a:schemeClr val="accent1">
+              <a:shade val="50000"/>
+            </a:schemeClr>
+          </a:lnRef>
+          <a:fillRef idx="1">
+            <a:schemeClr val="accent1"/>
+          </a:fillRef>
+          <a:effectRef idx="0">
+            <a:schemeClr val="accent1"/>
+          </a:effectRef>
+          <a:fontRef idx="minor">
+            <a:schemeClr val="lt1"/>
+          </a:fontRef>
+        </p:style>
+        <p:txBody>
+          <a:bodyPr rtlCol="0" anchor="ctr"/>
+          <a:lstStyle/>
+          <a:p>
+            <a:pPr algn="ctr"/>
+            <a:endParaRPr lang="en-US"/>
+          </a:p>
+        </p:txBody>
+      </p:sp>
     </p:spTree>
     <p:extLst>
       <p:ext uri="{BB962C8B-B14F-4D97-AF65-F5344CB8AC3E}">
@@ -9571,7 +9907,7 @@
           <a:effectLst/>
           <a:extLst>
             <a:ext uri="{91240B29-F687-4f45-9708-019B960494DF}">
-              <a14:hiddenLine xmlns="" xmlns:a16="http://schemas.microsoft.com/office/drawing/2014/main" xmlns:p14="http://schemas.microsoft.com/office/powerpoint/2010/main" xmlns:a14="http://schemas.microsoft.com/office/drawing/2010/main" w="9525">
+              <a14:hiddenLine xmlns:a14="http://schemas.microsoft.com/office/drawing/2010/main" xmlns:p14="http://schemas.microsoft.com/office/powerpoint/2010/main" xmlns:a16="http://schemas.microsoft.com/office/drawing/2014/main" xmlns="" w="9525">
                 <a:solidFill>
                   <a:srgbClr val="000000"/>
                 </a:solidFill>
@@ -9759,7 +10095,7 @@
           </a:ln>
           <a:extLst>
             <a:ext uri="{91240B29-F687-4f45-9708-019B960494DF}">
-              <a14:hiddenLine xmlns="" xmlns:a16="http://schemas.microsoft.com/office/drawing/2014/main" xmlns:p14="http://schemas.microsoft.com/office/powerpoint/2010/main" xmlns:a14="http://schemas.microsoft.com/office/drawing/2010/main" w="9525">
+              <a14:hiddenLine xmlns:a14="http://schemas.microsoft.com/office/drawing/2010/main" xmlns:p14="http://schemas.microsoft.com/office/powerpoint/2010/main" xmlns:a16="http://schemas.microsoft.com/office/drawing/2014/main" xmlns="" w="9525">
                 <a:solidFill>
                   <a:srgbClr val="000000"/>
                 </a:solidFill>
@@ -10065,7 +10401,7 @@
           </a:ln>
           <a:extLst>
             <a:ext uri="{91240B29-F687-4f45-9708-019B960494DF}">
-              <a14:hiddenLine xmlns="" xmlns:a16="http://schemas.microsoft.com/office/drawing/2014/main" xmlns:p14="http://schemas.microsoft.com/office/powerpoint/2010/main" xmlns:a14="http://schemas.microsoft.com/office/drawing/2010/main" w="9525">
+              <a14:hiddenLine xmlns:a14="http://schemas.microsoft.com/office/drawing/2010/main" xmlns:p14="http://schemas.microsoft.com/office/powerpoint/2010/main" xmlns:a16="http://schemas.microsoft.com/office/drawing/2014/main" xmlns="" w="9525">
                 <a:solidFill>
                   <a:srgbClr val="000000"/>
                 </a:solidFill>
@@ -10305,7 +10641,7 @@
           <a:p>
             <a:r>
               <a:rPr lang="en-US" dirty="0"/>
-              <a:t>Most languages spoken in a country - Nigeria</a:t>
+              <a:t>Most languages spoken in a country – Papua New Guinea</a:t>
             </a:r>
           </a:p>
           <a:p>
